--- a/apresentacoes/Aula1/Etapa5-ConceitoDeNoEEncadeamento/Etapa5.pptx
+++ b/apresentacoes/Aula1/Etapa5-ConceitoDeNoEEncadeamento/Etapa5.pptx
@@ -285,7 +285,7 @@
       </p15:sldGuideLst>
     </p:ext>
     <p:ext uri="http://customooxmlschemas.google.com/">
-      <go:slidesCustomData xmlns="" xmlns:mc="http://schemas.openxmlformats.org/markup-compatibility/2006" xmlns:mv="urn:schemas-microsoft-com:mac:vml" xmlns:c="http://schemas.openxmlformats.org/drawingml/2006/chart" xmlns:dgm="http://schemas.openxmlformats.org/drawingml/2006/diagram" xmlns:o="urn:schemas-microsoft-com:office:office" xmlns:v="urn:schemas-microsoft-com:vml" xmlns:pvml="urn:schemas-microsoft-com:office:powerpoint" xmlns:com="http://schemas.openxmlformats.org/drawingml/2006/compatibility" xmlns:p14="http://schemas.microsoft.com/office/powerpoint/2010/main" xmlns:p15="http://schemas.microsoft.com/office/powerpoint/2012/main" xmlns:ahyp="http://schemas.microsoft.com/office/drawing/2018/hyperlinkcolor" xmlns:go="http://customooxmlschemas.google.com/" r:id="rId34" roundtripDataSignature="AMtx7mij1fsZUe5V3lBG5qQcqOvrI5UhJw=="/>
+      <go:slidesCustomData xmlns:go="http://customooxmlschemas.google.com/" xmlns:ahyp="http://schemas.microsoft.com/office/drawing/2018/hyperlinkcolor" xmlns:p15="http://schemas.microsoft.com/office/powerpoint/2012/main" xmlns:p14="http://schemas.microsoft.com/office/powerpoint/2010/main" xmlns:com="http://schemas.openxmlformats.org/drawingml/2006/compatibility" xmlns:pvml="urn:schemas-microsoft-com:office:powerpoint" xmlns:v="urn:schemas-microsoft-com:vml" xmlns:o="urn:schemas-microsoft-com:office:office" xmlns:dgm="http://schemas.openxmlformats.org/drawingml/2006/diagram" xmlns:c="http://schemas.openxmlformats.org/drawingml/2006/chart" xmlns:mv="urn:schemas-microsoft-com:mac:vml" xmlns:mc="http://schemas.openxmlformats.org/markup-compatibility/2006" xmlns="" r:id="rId34" roundtripDataSignature="AMtx7mij1fsZUe5V3lBG5qQcqOvrI5UhJw=="/>
     </p:ext>
   </p:extLst>
 </p:presentation>
@@ -20979,7 +20979,7 @@
         <p:fade/>
       </p:transition>
     </mc:Choice>
-    <mc:Fallback xmlns="" xmlns:mv="urn:schemas-microsoft-com:mac:vml" xmlns:c="http://schemas.openxmlformats.org/drawingml/2006/chart" xmlns:dgm="http://schemas.openxmlformats.org/drawingml/2006/diagram" xmlns:o="urn:schemas-microsoft-com:office:office" xmlns:v="urn:schemas-microsoft-com:vml" xmlns:pvml="urn:schemas-microsoft-com:office:powerpoint" xmlns:com="http://schemas.openxmlformats.org/drawingml/2006/compatibility" xmlns:p15="http://schemas.microsoft.com/office/powerpoint/2012/main" xmlns:ahyp="http://schemas.microsoft.com/office/drawing/2018/hyperlinkcolor">
+    <mc:Fallback xmlns:ahyp="http://schemas.microsoft.com/office/drawing/2018/hyperlinkcolor" xmlns:p15="http://schemas.microsoft.com/office/powerpoint/2012/main" xmlns:com="http://schemas.openxmlformats.org/drawingml/2006/compatibility" xmlns:pvml="urn:schemas-microsoft-com:office:powerpoint" xmlns:v="urn:schemas-microsoft-com:vml" xmlns:o="urn:schemas-microsoft-com:office:office" xmlns:dgm="http://schemas.openxmlformats.org/drawingml/2006/diagram" xmlns:c="http://schemas.openxmlformats.org/drawingml/2006/chart" xmlns:mv="urn:schemas-microsoft-com:mac:vml" xmlns="">
       <p:transition spd="slow">
         <p:fade/>
       </p:transition>
@@ -21272,7 +21272,7 @@
         <p:fade/>
       </p:transition>
     </mc:Choice>
-    <mc:Fallback xmlns="" xmlns:mv="urn:schemas-microsoft-com:mac:vml" xmlns:c="http://schemas.openxmlformats.org/drawingml/2006/chart" xmlns:dgm="http://schemas.openxmlformats.org/drawingml/2006/diagram" xmlns:o="urn:schemas-microsoft-com:office:office" xmlns:v="urn:schemas-microsoft-com:vml" xmlns:pvml="urn:schemas-microsoft-com:office:powerpoint" xmlns:com="http://schemas.openxmlformats.org/drawingml/2006/compatibility" xmlns:p15="http://schemas.microsoft.com/office/powerpoint/2012/main" xmlns:ahyp="http://schemas.microsoft.com/office/drawing/2018/hyperlinkcolor">
+    <mc:Fallback xmlns:ahyp="http://schemas.microsoft.com/office/drawing/2018/hyperlinkcolor" xmlns:p15="http://schemas.microsoft.com/office/powerpoint/2012/main" xmlns:com="http://schemas.openxmlformats.org/drawingml/2006/compatibility" xmlns:pvml="urn:schemas-microsoft-com:office:powerpoint" xmlns:v="urn:schemas-microsoft-com:vml" xmlns:o="urn:schemas-microsoft-com:office:office" xmlns:dgm="http://schemas.openxmlformats.org/drawingml/2006/diagram" xmlns:c="http://schemas.openxmlformats.org/drawingml/2006/chart" xmlns:mv="urn:schemas-microsoft-com:mac:vml" xmlns="">
       <p:transition spd="slow">
         <p:fade/>
       </p:transition>
@@ -23418,10 +23418,10 @@
       </p:sp>
       <p:pic>
         <p:nvPicPr>
-          <p:cNvPr id="13" name="Imagem 12">
+          <p:cNvPr id="14" name="Imagem 13">
             <a:extLst>
               <a:ext uri="{FF2B5EF4-FFF2-40B4-BE49-F238E27FC236}">
-                <a16:creationId xmlns:a16="http://schemas.microsoft.com/office/drawing/2014/main" id="{869FE389-4A58-49C3-8D88-CEAADE0E4788}"/>
+                <a16:creationId xmlns:a16="http://schemas.microsoft.com/office/drawing/2014/main" id="{0E959D48-E56C-4906-91D0-CE96D0E931AF}"/>
               </a:ext>
             </a:extLst>
           </p:cNvPr>
@@ -23438,8 +23438,8 @@
         </p:blipFill>
         <p:spPr>
           <a:xfrm>
-            <a:off x="7888407" y="3555365"/>
-            <a:ext cx="1098017" cy="1098017"/>
+            <a:off x="7196362" y="2461450"/>
+            <a:ext cx="1938293" cy="2349447"/>
           </a:xfrm>
           <a:prstGeom prst="rect">
             <a:avLst/>
@@ -23457,7 +23457,7 @@
         <p:fade/>
       </p:transition>
     </mc:Choice>
-    <mc:Fallback xmlns="" xmlns:mv="urn:schemas-microsoft-com:mac:vml" xmlns:c="http://schemas.openxmlformats.org/drawingml/2006/chart" xmlns:dgm="http://schemas.openxmlformats.org/drawingml/2006/diagram" xmlns:o="urn:schemas-microsoft-com:office:office" xmlns:v="urn:schemas-microsoft-com:vml" xmlns:pvml="urn:schemas-microsoft-com:office:powerpoint" xmlns:com="http://schemas.openxmlformats.org/drawingml/2006/compatibility" xmlns:p15="http://schemas.microsoft.com/office/powerpoint/2012/main" xmlns:ahyp="http://schemas.microsoft.com/office/drawing/2018/hyperlinkcolor">
+    <mc:Fallback xmlns:ahyp="http://schemas.microsoft.com/office/drawing/2018/hyperlinkcolor" xmlns:p15="http://schemas.microsoft.com/office/powerpoint/2012/main" xmlns:com="http://schemas.openxmlformats.org/drawingml/2006/compatibility" xmlns:pvml="urn:schemas-microsoft-com:office:powerpoint" xmlns:v="urn:schemas-microsoft-com:vml" xmlns:o="urn:schemas-microsoft-com:office:office" xmlns:dgm="http://schemas.openxmlformats.org/drawingml/2006/diagram" xmlns:c="http://schemas.openxmlformats.org/drawingml/2006/chart" xmlns:mv="urn:schemas-microsoft-com:mac:vml" xmlns="">
       <p:transition spd="slow">
         <p:fade/>
       </p:transition>

--- a/apresentacoes/Aula1/Etapa5-ConceitoDeNoEEncadeamento/Etapa5.pptx
+++ b/apresentacoes/Aula1/Etapa5-ConceitoDeNoEEncadeamento/Etapa5.pptx
@@ -285,7 +285,7 @@
       </p15:sldGuideLst>
     </p:ext>
     <p:ext uri="http://customooxmlschemas.google.com/">
-      <go:slidesCustomData xmlns:go="http://customooxmlschemas.google.com/" xmlns:ahyp="http://schemas.microsoft.com/office/drawing/2018/hyperlinkcolor" xmlns:p15="http://schemas.microsoft.com/office/powerpoint/2012/main" xmlns:p14="http://schemas.microsoft.com/office/powerpoint/2010/main" xmlns:com="http://schemas.openxmlformats.org/drawingml/2006/compatibility" xmlns:pvml="urn:schemas-microsoft-com:office:powerpoint" xmlns:v="urn:schemas-microsoft-com:vml" xmlns:o="urn:schemas-microsoft-com:office:office" xmlns:dgm="http://schemas.openxmlformats.org/drawingml/2006/diagram" xmlns:c="http://schemas.openxmlformats.org/drawingml/2006/chart" xmlns:mv="urn:schemas-microsoft-com:mac:vml" xmlns:mc="http://schemas.openxmlformats.org/markup-compatibility/2006" xmlns="" r:id="rId34" roundtripDataSignature="AMtx7mij1fsZUe5V3lBG5qQcqOvrI5UhJw=="/>
+      <go:slidesCustomData xmlns="" xmlns:mc="http://schemas.openxmlformats.org/markup-compatibility/2006" xmlns:mv="urn:schemas-microsoft-com:mac:vml" xmlns:c="http://schemas.openxmlformats.org/drawingml/2006/chart" xmlns:dgm="http://schemas.openxmlformats.org/drawingml/2006/diagram" xmlns:o="urn:schemas-microsoft-com:office:office" xmlns:v="urn:schemas-microsoft-com:vml" xmlns:pvml="urn:schemas-microsoft-com:office:powerpoint" xmlns:com="http://schemas.openxmlformats.org/drawingml/2006/compatibility" xmlns:p14="http://schemas.microsoft.com/office/powerpoint/2010/main" xmlns:p15="http://schemas.microsoft.com/office/powerpoint/2012/main" xmlns:ahyp="http://schemas.microsoft.com/office/drawing/2018/hyperlinkcolor" xmlns:go="http://customooxmlschemas.google.com/" r:id="rId34" roundtripDataSignature="AMtx7mij1fsZUe5V3lBG5qQcqOvrI5UhJw=="/>
     </p:ext>
   </p:extLst>
 </p:presentation>
@@ -20979,7 +20979,7 @@
         <p:fade/>
       </p:transition>
     </mc:Choice>
-    <mc:Fallback xmlns:ahyp="http://schemas.microsoft.com/office/drawing/2018/hyperlinkcolor" xmlns:p15="http://schemas.microsoft.com/office/powerpoint/2012/main" xmlns:com="http://schemas.openxmlformats.org/drawingml/2006/compatibility" xmlns:pvml="urn:schemas-microsoft-com:office:powerpoint" xmlns:v="urn:schemas-microsoft-com:vml" xmlns:o="urn:schemas-microsoft-com:office:office" xmlns:dgm="http://schemas.openxmlformats.org/drawingml/2006/diagram" xmlns:c="http://schemas.openxmlformats.org/drawingml/2006/chart" xmlns:mv="urn:schemas-microsoft-com:mac:vml" xmlns="">
+    <mc:Fallback xmlns="" xmlns:mv="urn:schemas-microsoft-com:mac:vml" xmlns:c="http://schemas.openxmlformats.org/drawingml/2006/chart" xmlns:dgm="http://schemas.openxmlformats.org/drawingml/2006/diagram" xmlns:o="urn:schemas-microsoft-com:office:office" xmlns:v="urn:schemas-microsoft-com:vml" xmlns:pvml="urn:schemas-microsoft-com:office:powerpoint" xmlns:com="http://schemas.openxmlformats.org/drawingml/2006/compatibility" xmlns:p15="http://schemas.microsoft.com/office/powerpoint/2012/main" xmlns:ahyp="http://schemas.microsoft.com/office/drawing/2018/hyperlinkcolor">
       <p:transition spd="slow">
         <p:fade/>
       </p:transition>
@@ -21272,7 +21272,7 @@
         <p:fade/>
       </p:transition>
     </mc:Choice>
-    <mc:Fallback xmlns:ahyp="http://schemas.microsoft.com/office/drawing/2018/hyperlinkcolor" xmlns:p15="http://schemas.microsoft.com/office/powerpoint/2012/main" xmlns:com="http://schemas.openxmlformats.org/drawingml/2006/compatibility" xmlns:pvml="urn:schemas-microsoft-com:office:powerpoint" xmlns:v="urn:schemas-microsoft-com:vml" xmlns:o="urn:schemas-microsoft-com:office:office" xmlns:dgm="http://schemas.openxmlformats.org/drawingml/2006/diagram" xmlns:c="http://schemas.openxmlformats.org/drawingml/2006/chart" xmlns:mv="urn:schemas-microsoft-com:mac:vml" xmlns="">
+    <mc:Fallback xmlns="" xmlns:mv="urn:schemas-microsoft-com:mac:vml" xmlns:c="http://schemas.openxmlformats.org/drawingml/2006/chart" xmlns:dgm="http://schemas.openxmlformats.org/drawingml/2006/diagram" xmlns:o="urn:schemas-microsoft-com:office:office" xmlns:v="urn:schemas-microsoft-com:vml" xmlns:pvml="urn:schemas-microsoft-com:office:powerpoint" xmlns:com="http://schemas.openxmlformats.org/drawingml/2006/compatibility" xmlns:p15="http://schemas.microsoft.com/office/powerpoint/2012/main" xmlns:ahyp="http://schemas.microsoft.com/office/drawing/2018/hyperlinkcolor">
       <p:transition spd="slow">
         <p:fade/>
       </p:transition>
@@ -21471,7 +21471,7 @@
         </p:blipFill>
         <p:spPr>
           <a:xfrm>
-            <a:off x="692357" y="1977670"/>
+            <a:off x="469073" y="1105800"/>
             <a:ext cx="2269075" cy="1279880"/>
           </a:xfrm>
           <a:prstGeom prst="rect">
@@ -21660,7 +21660,7 @@
         </p:blipFill>
         <p:spPr>
           <a:xfrm>
-            <a:off x="1535537" y="2159664"/>
+            <a:off x="1312253" y="1287794"/>
             <a:ext cx="582714" cy="615543"/>
           </a:xfrm>
           <a:prstGeom prst="rect">
@@ -21690,7 +21690,7 @@
         </p:blipFill>
         <p:spPr>
           <a:xfrm>
-            <a:off x="3382217" y="1977670"/>
+            <a:off x="3158933" y="1105800"/>
             <a:ext cx="2269075" cy="1279880"/>
           </a:xfrm>
           <a:prstGeom prst="rect">
@@ -21720,7 +21720,7 @@
         </p:blipFill>
         <p:spPr>
           <a:xfrm>
-            <a:off x="4225397" y="2159664"/>
+            <a:off x="4002113" y="1287794"/>
             <a:ext cx="582714" cy="615543"/>
           </a:xfrm>
           <a:prstGeom prst="rect">
@@ -21750,7 +21750,7 @@
         </p:blipFill>
         <p:spPr>
           <a:xfrm>
-            <a:off x="6052302" y="1977670"/>
+            <a:off x="5829018" y="1105800"/>
             <a:ext cx="2269075" cy="1279880"/>
           </a:xfrm>
           <a:prstGeom prst="rect">
@@ -21780,7 +21780,7 @@
         </p:blipFill>
         <p:spPr>
           <a:xfrm>
-            <a:off x="6895482" y="2159664"/>
+            <a:off x="6672198" y="1287794"/>
             <a:ext cx="582714" cy="615543"/>
           </a:xfrm>
           <a:prstGeom prst="rect">
@@ -21802,7 +21802,7 @@
         </p:nvSpPr>
         <p:spPr>
           <a:xfrm>
-            <a:off x="2686306" y="2796172"/>
+            <a:off x="2463022" y="1924302"/>
             <a:ext cx="776983" cy="346928"/>
           </a:xfrm>
           <a:prstGeom prst="rightArrow">
@@ -21848,7 +21848,7 @@
         </p:nvSpPr>
         <p:spPr>
           <a:xfrm>
-            <a:off x="5366006" y="2789822"/>
+            <a:off x="5142722" y="1917952"/>
             <a:ext cx="776983" cy="346928"/>
           </a:xfrm>
           <a:prstGeom prst="rightArrow">
@@ -21894,8 +21894,8 @@
         </p:nvSpPr>
         <p:spPr>
           <a:xfrm rot="5400000">
-            <a:off x="7375603" y="3281928"/>
-            <a:ext cx="776983" cy="346928"/>
+            <a:off x="7298622" y="2263756"/>
+            <a:ext cx="484377" cy="346928"/>
           </a:xfrm>
           <a:prstGeom prst="rightArrow">
             <a:avLst/>
@@ -21940,8 +21940,8 @@
         </p:nvSpPr>
         <p:spPr>
           <a:xfrm>
-            <a:off x="6982549" y="3731346"/>
-            <a:ext cx="1415772" cy="923330"/>
+            <a:off x="6871396" y="2567674"/>
+            <a:ext cx="1338828" cy="584775"/>
           </a:xfrm>
           <a:prstGeom prst="rect">
             <a:avLst/>
@@ -21949,14 +21949,14 @@
           <a:noFill/>
         </p:spPr>
         <p:txBody>
-          <a:bodyPr wrap="none" lIns="91440" tIns="45720" rIns="91440" bIns="45720">
+          <a:bodyPr wrap="square" lIns="91440" tIns="45720" rIns="91440" bIns="45720">
             <a:spAutoFit/>
           </a:bodyPr>
           <a:lstStyle/>
           <a:p>
             <a:pPr algn="ctr"/>
             <a:r>
-              <a:rPr lang="pt-BR" sz="5400" b="1" dirty="0" err="1">
+              <a:rPr lang="pt-BR" sz="3200" b="1" dirty="0" err="1">
                 <a:ln w="12700">
                   <a:solidFill>
                     <a:schemeClr val="accent3">
@@ -21986,7 +21986,7 @@
               </a:rPr>
               <a:t>null</a:t>
             </a:r>
-            <a:endParaRPr lang="pt-BR" sz="5400" b="1" dirty="0">
+            <a:endParaRPr lang="pt-BR" sz="3200" b="1" dirty="0">
               <a:ln w="12700">
                 <a:solidFill>
                   <a:schemeClr val="accent3">
@@ -23438,7 +23438,7 @@
         </p:blipFill>
         <p:spPr>
           <a:xfrm>
-            <a:off x="7196362" y="2461450"/>
+            <a:off x="7196362" y="90383"/>
             <a:ext cx="1938293" cy="2349447"/>
           </a:xfrm>
           <a:prstGeom prst="rect">
@@ -23457,7 +23457,7 @@
         <p:fade/>
       </p:transition>
     </mc:Choice>
-    <mc:Fallback xmlns:ahyp="http://schemas.microsoft.com/office/drawing/2018/hyperlinkcolor" xmlns:p15="http://schemas.microsoft.com/office/powerpoint/2012/main" xmlns:com="http://schemas.openxmlformats.org/drawingml/2006/compatibility" xmlns:pvml="urn:schemas-microsoft-com:office:powerpoint" xmlns:v="urn:schemas-microsoft-com:vml" xmlns:o="urn:schemas-microsoft-com:office:office" xmlns:dgm="http://schemas.openxmlformats.org/drawingml/2006/diagram" xmlns:c="http://schemas.openxmlformats.org/drawingml/2006/chart" xmlns:mv="urn:schemas-microsoft-com:mac:vml" xmlns="">
+    <mc:Fallback xmlns="" xmlns:mv="urn:schemas-microsoft-com:mac:vml" xmlns:c="http://schemas.openxmlformats.org/drawingml/2006/chart" xmlns:dgm="http://schemas.openxmlformats.org/drawingml/2006/diagram" xmlns:o="urn:schemas-microsoft-com:office:office" xmlns:v="urn:schemas-microsoft-com:vml" xmlns:pvml="urn:schemas-microsoft-com:office:powerpoint" xmlns:com="http://schemas.openxmlformats.org/drawingml/2006/compatibility" xmlns:p15="http://schemas.microsoft.com/office/powerpoint/2012/main" xmlns:ahyp="http://schemas.microsoft.com/office/drawing/2018/hyperlinkcolor">
       <p:transition spd="slow">
         <p:fade/>
       </p:transition>
